--- a/presentation/Aspect orientated configuration of software product line features.pptx
+++ b/presentation/Aspect orientated configuration of software product line features.pptx
@@ -50,6 +50,9 @@
     <p:sldId id="263" r:id="rId44"/>
     <p:sldId id="284" r:id="rId45"/>
     <p:sldId id="285" r:id="rId46"/>
+    <p:sldId id="301" r:id="rId47"/>
+    <p:sldId id="302" r:id="rId48"/>
+    <p:sldId id="303" r:id="rId49"/>
   </p:sldIdLst>
   <p:sldSz cx="12192000" cy="6858000"/>
   <p:notesSz cx="6858000" cy="9144000"/>
@@ -901,7 +904,7 @@
           <a:p>
             <a:fld id="{211F4D3E-5DC8-42AF-B094-F62789BC04F9}" type="datetimeFigureOut">
               <a:rPr lang="sk-SK" smtClean="0"/>
-              <a:t>30. 10. 2021</a:t>
+              <a:t>31. 10. 2021</a:t>
             </a:fld>
             <a:endParaRPr lang="sk-SK"/>
           </a:p>
@@ -1152,7 +1155,7 @@
           <a:p>
             <a:fld id="{211F4D3E-5DC8-42AF-B094-F62789BC04F9}" type="datetimeFigureOut">
               <a:rPr lang="sk-SK" smtClean="0"/>
-              <a:t>30. 10. 2021</a:t>
+              <a:t>31. 10. 2021</a:t>
             </a:fld>
             <a:endParaRPr lang="sk-SK"/>
           </a:p>
@@ -1466,7 +1469,7 @@
           <a:p>
             <a:fld id="{211F4D3E-5DC8-42AF-B094-F62789BC04F9}" type="datetimeFigureOut">
               <a:rPr lang="sk-SK" smtClean="0"/>
-              <a:t>30. 10. 2021</a:t>
+              <a:t>31. 10. 2021</a:t>
             </a:fld>
             <a:endParaRPr lang="sk-SK"/>
           </a:p>
@@ -1799,7 +1802,7 @@
           <a:p>
             <a:fld id="{211F4D3E-5DC8-42AF-B094-F62789BC04F9}" type="datetimeFigureOut">
               <a:rPr lang="sk-SK" smtClean="0"/>
-              <a:t>30. 10. 2021</a:t>
+              <a:t>31. 10. 2021</a:t>
             </a:fld>
             <a:endParaRPr lang="sk-SK"/>
           </a:p>
@@ -2113,7 +2116,7 @@
           <a:p>
             <a:fld id="{211F4D3E-5DC8-42AF-B094-F62789BC04F9}" type="datetimeFigureOut">
               <a:rPr lang="sk-SK" smtClean="0"/>
-              <a:t>30. 10. 2021</a:t>
+              <a:t>31. 10. 2021</a:t>
             </a:fld>
             <a:endParaRPr lang="sk-SK"/>
           </a:p>
@@ -2506,7 +2509,7 @@
           <a:p>
             <a:fld id="{211F4D3E-5DC8-42AF-B094-F62789BC04F9}" type="datetimeFigureOut">
               <a:rPr lang="sk-SK" smtClean="0"/>
-              <a:t>30. 10. 2021</a:t>
+              <a:t>31. 10. 2021</a:t>
             </a:fld>
             <a:endParaRPr lang="sk-SK"/>
           </a:p>
@@ -2676,7 +2679,7 @@
           <a:p>
             <a:fld id="{211F4D3E-5DC8-42AF-B094-F62789BC04F9}" type="datetimeFigureOut">
               <a:rPr lang="sk-SK" smtClean="0"/>
-              <a:t>30. 10. 2021</a:t>
+              <a:t>31. 10. 2021</a:t>
             </a:fld>
             <a:endParaRPr lang="sk-SK"/>
           </a:p>
@@ -2856,7 +2859,7 @@
           <a:p>
             <a:fld id="{211F4D3E-5DC8-42AF-B094-F62789BC04F9}" type="datetimeFigureOut">
               <a:rPr lang="sk-SK" smtClean="0"/>
-              <a:t>30. 10. 2021</a:t>
+              <a:t>31. 10. 2021</a:t>
             </a:fld>
             <a:endParaRPr lang="sk-SK"/>
           </a:p>
@@ -3026,7 +3029,7 @@
           <a:p>
             <a:fld id="{211F4D3E-5DC8-42AF-B094-F62789BC04F9}" type="datetimeFigureOut">
               <a:rPr lang="sk-SK" smtClean="0"/>
-              <a:t>30. 10. 2021</a:t>
+              <a:t>31. 10. 2021</a:t>
             </a:fld>
             <a:endParaRPr lang="sk-SK"/>
           </a:p>
@@ -3273,7 +3276,7 @@
           <a:p>
             <a:fld id="{211F4D3E-5DC8-42AF-B094-F62789BC04F9}" type="datetimeFigureOut">
               <a:rPr lang="sk-SK" smtClean="0"/>
-              <a:t>30. 10. 2021</a:t>
+              <a:t>31. 10. 2021</a:t>
             </a:fld>
             <a:endParaRPr lang="sk-SK"/>
           </a:p>
@@ -3505,7 +3508,7 @@
           <a:p>
             <a:fld id="{211F4D3E-5DC8-42AF-B094-F62789BC04F9}" type="datetimeFigureOut">
               <a:rPr lang="sk-SK" smtClean="0"/>
-              <a:t>30. 10. 2021</a:t>
+              <a:t>31. 10. 2021</a:t>
             </a:fld>
             <a:endParaRPr lang="sk-SK"/>
           </a:p>
@@ -3879,7 +3882,7 @@
           <a:p>
             <a:fld id="{211F4D3E-5DC8-42AF-B094-F62789BC04F9}" type="datetimeFigureOut">
               <a:rPr lang="sk-SK" smtClean="0"/>
-              <a:t>30. 10. 2021</a:t>
+              <a:t>31. 10. 2021</a:t>
             </a:fld>
             <a:endParaRPr lang="sk-SK"/>
           </a:p>
@@ -4002,7 +4005,7 @@
           <a:p>
             <a:fld id="{211F4D3E-5DC8-42AF-B094-F62789BC04F9}" type="datetimeFigureOut">
               <a:rPr lang="sk-SK" smtClean="0"/>
-              <a:t>30. 10. 2021</a:t>
+              <a:t>31. 10. 2021</a:t>
             </a:fld>
             <a:endParaRPr lang="sk-SK"/>
           </a:p>
@@ -4097,7 +4100,7 @@
           <a:p>
             <a:fld id="{211F4D3E-5DC8-42AF-B094-F62789BC04F9}" type="datetimeFigureOut">
               <a:rPr lang="sk-SK" smtClean="0"/>
-              <a:t>30. 10. 2021</a:t>
+              <a:t>31. 10. 2021</a:t>
             </a:fld>
             <a:endParaRPr lang="sk-SK"/>
           </a:p>
@@ -4352,7 +4355,7 @@
           <a:p>
             <a:fld id="{211F4D3E-5DC8-42AF-B094-F62789BC04F9}" type="datetimeFigureOut">
               <a:rPr lang="sk-SK" smtClean="0"/>
-              <a:t>30. 10. 2021</a:t>
+              <a:t>31. 10. 2021</a:t>
             </a:fld>
             <a:endParaRPr lang="sk-SK"/>
           </a:p>
@@ -4657,7 +4660,7 @@
           <a:p>
             <a:fld id="{211F4D3E-5DC8-42AF-B094-F62789BC04F9}" type="datetimeFigureOut">
               <a:rPr lang="sk-SK" smtClean="0"/>
-              <a:t>30. 10. 2021</a:t>
+              <a:t>31. 10. 2021</a:t>
             </a:fld>
             <a:endParaRPr lang="sk-SK"/>
           </a:p>
@@ -5359,7 +5362,7 @@
           <a:p>
             <a:fld id="{211F4D3E-5DC8-42AF-B094-F62789BC04F9}" type="datetimeFigureOut">
               <a:rPr lang="sk-SK" smtClean="0"/>
-              <a:t>30. 10. 2021</a:t>
+              <a:t>31. 10. 2021</a:t>
             </a:fld>
             <a:endParaRPr lang="sk-SK"/>
           </a:p>
@@ -18815,7 +18818,7 @@
         </p:nvSpPr>
         <p:spPr>
           <a:xfrm>
-            <a:off x="3240350" y="3835153"/>
+            <a:off x="3240350" y="3764494"/>
             <a:ext cx="2097434" cy="369332"/>
           </a:xfrm>
           <a:prstGeom prst="rect">
@@ -21785,6 +21788,2229 @@
     <p:extLst>
       <p:ext uri="{BB962C8B-B14F-4D97-AF65-F5344CB8AC3E}">
         <p14:creationId xmlns:p14="http://schemas.microsoft.com/office/powerpoint/2010/main" val="1287249955"/>
+      </p:ext>
+    </p:extLst>
+  </p:cSld>
+  <p:clrMapOvr>
+    <a:masterClrMapping/>
+  </p:clrMapOvr>
+</p:sld>
+</file>
+
+<file path=ppt/slides/slide46.xml><?xml version="1.0" encoding="utf-8"?>
+<p:sld xmlns:a="http://schemas.openxmlformats.org/drawingml/2006/main" xmlns:r="http://schemas.openxmlformats.org/officeDocument/2006/relationships" xmlns:p="http://schemas.openxmlformats.org/presentationml/2006/main">
+  <p:cSld>
+    <p:spTree>
+      <p:nvGrpSpPr>
+        <p:cNvPr id="1" name=""/>
+        <p:cNvGrpSpPr/>
+        <p:nvPr/>
+      </p:nvGrpSpPr>
+      <p:grpSpPr>
+        <a:xfrm>
+          <a:off x="0" y="0"/>
+          <a:ext cx="0" cy="0"/>
+          <a:chOff x="0" y="0"/>
+          <a:chExt cx="0" cy="0"/>
+        </a:xfrm>
+      </p:grpSpPr>
+      <p:sp>
+        <p:nvSpPr>
+          <p:cNvPr id="2" name="Nadpis 1">
+            <a:extLst>
+              <a:ext uri="{FF2B5EF4-FFF2-40B4-BE49-F238E27FC236}">
+                <a16:creationId xmlns:a16="http://schemas.microsoft.com/office/drawing/2014/main" id="{955C839E-9580-4F76-8A55-0EB2F9C576EF}"/>
+              </a:ext>
+            </a:extLst>
+          </p:cNvPr>
+          <p:cNvSpPr>
+            <a:spLocks noGrp="1"/>
+          </p:cNvSpPr>
+          <p:nvPr>
+            <p:ph type="title"/>
+          </p:nvPr>
+        </p:nvSpPr>
+        <p:spPr>
+          <a:xfrm>
+            <a:off x="499781" y="263894"/>
+            <a:ext cx="8596668" cy="1320800"/>
+          </a:xfrm>
+        </p:spPr>
+        <p:txBody>
+          <a:bodyPr>
+            <a:noAutofit/>
+          </a:bodyPr>
+          <a:lstStyle/>
+          <a:p>
+            <a:r>
+              <a:rPr lang="sk-SK" sz="4800" b="1" dirty="0" err="1"/>
+              <a:t>Quality</a:t>
+            </a:r>
+            <a:r>
+              <a:rPr lang="sk-SK" sz="4800" b="1" dirty="0"/>
+              <a:t> of </a:t>
+            </a:r>
+            <a:r>
+              <a:rPr lang="sk-SK" sz="4800" b="1" dirty="0" err="1"/>
+              <a:t>applying</a:t>
+            </a:r>
+            <a:r>
+              <a:rPr lang="sk-SK" sz="4800" b="1" dirty="0"/>
+              <a:t> </a:t>
+            </a:r>
+            <a:r>
+              <a:rPr lang="sk-SK" sz="4800" b="1" dirty="0" err="1"/>
+              <a:t>voluntary</a:t>
+            </a:r>
+            <a:r>
+              <a:rPr lang="sk-SK" sz="4800" b="1" dirty="0"/>
+              <a:t> </a:t>
+            </a:r>
+            <a:r>
+              <a:rPr lang="sk-SK" sz="4800" b="1" dirty="0" err="1"/>
+              <a:t>features</a:t>
+            </a:r>
+            <a:r>
+              <a:rPr lang="sk-SK" sz="4800" b="1" dirty="0"/>
+              <a:t> </a:t>
+            </a:r>
+            <a:r>
+              <a:rPr lang="sk-SK" sz="4800" b="1" dirty="0" err="1"/>
+              <a:t>using</a:t>
+            </a:r>
+            <a:r>
+              <a:rPr lang="sk-SK" sz="4800" b="1" dirty="0"/>
+              <a:t> </a:t>
+            </a:r>
+            <a:r>
+              <a:rPr lang="sk-SK" sz="4800" b="1" dirty="0" err="1"/>
+              <a:t>AspectJ</a:t>
+            </a:r>
+            <a:endParaRPr lang="sk-SK" sz="4800" b="1" dirty="0"/>
+          </a:p>
+        </p:txBody>
+      </p:sp>
+      <p:sp>
+        <p:nvSpPr>
+          <p:cNvPr id="9" name="Ovál 8">
+            <a:extLst>
+              <a:ext uri="{FF2B5EF4-FFF2-40B4-BE49-F238E27FC236}">
+                <a16:creationId xmlns:a16="http://schemas.microsoft.com/office/drawing/2014/main" id="{02C2179A-CB54-484B-AF69-CA30DEF06694}"/>
+              </a:ext>
+            </a:extLst>
+          </p:cNvPr>
+          <p:cNvSpPr/>
+          <p:nvPr/>
+        </p:nvSpPr>
+        <p:spPr>
+          <a:xfrm rot="20741706">
+            <a:off x="1992095" y="2749909"/>
+            <a:ext cx="7111014" cy="3805368"/>
+          </a:xfrm>
+          <a:prstGeom prst="ellipse">
+            <a:avLst/>
+          </a:prstGeom>
+          <a:solidFill>
+            <a:schemeClr val="accent6">
+              <a:alpha val="50000"/>
+            </a:schemeClr>
+          </a:solidFill>
+          <a:ln>
+            <a:noFill/>
+          </a:ln>
+        </p:spPr>
+        <p:style>
+          <a:lnRef idx="0">
+            <a:scrgbClr r="0" g="0" b="0"/>
+          </a:lnRef>
+          <a:fillRef idx="0">
+            <a:scrgbClr r="0" g="0" b="0"/>
+          </a:fillRef>
+          <a:effectRef idx="0">
+            <a:scrgbClr r="0" g="0" b="0"/>
+          </a:effectRef>
+          <a:fontRef idx="minor">
+            <a:schemeClr val="lt1"/>
+          </a:fontRef>
+        </p:style>
+        <p:txBody>
+          <a:bodyPr rtlCol="0" anchor="ctr"/>
+          <a:lstStyle/>
+          <a:p>
+            <a:pPr algn="ctr"/>
+            <a:r>
+              <a:rPr lang="sk-SK" sz="6600" dirty="0"/>
+              <a:t>PROBLÉMY</a:t>
+            </a:r>
+          </a:p>
+        </p:txBody>
+      </p:sp>
+      <p:sp>
+        <p:nvSpPr>
+          <p:cNvPr id="6" name="Obdĺžnik 5">
+            <a:extLst>
+              <a:ext uri="{FF2B5EF4-FFF2-40B4-BE49-F238E27FC236}">
+                <a16:creationId xmlns:a16="http://schemas.microsoft.com/office/drawing/2014/main" id="{2166167D-20AB-44CD-BAFB-C65D16E7B5AB}"/>
+              </a:ext>
+            </a:extLst>
+          </p:cNvPr>
+          <p:cNvSpPr/>
+          <p:nvPr/>
+        </p:nvSpPr>
+        <p:spPr>
+          <a:xfrm>
+            <a:off x="677484" y="5427032"/>
+            <a:ext cx="2512381" cy="861134"/>
+          </a:xfrm>
+          <a:prstGeom prst="rect">
+            <a:avLst/>
+          </a:prstGeom>
+        </p:spPr>
+        <p:style>
+          <a:lnRef idx="3">
+            <a:schemeClr val="lt1"/>
+          </a:lnRef>
+          <a:fillRef idx="1">
+            <a:schemeClr val="accent3"/>
+          </a:fillRef>
+          <a:effectRef idx="1">
+            <a:schemeClr val="accent3"/>
+          </a:effectRef>
+          <a:fontRef idx="minor">
+            <a:schemeClr val="lt1"/>
+          </a:fontRef>
+        </p:style>
+        <p:txBody>
+          <a:bodyPr rtlCol="0" anchor="ctr"/>
+          <a:lstStyle/>
+          <a:p>
+            <a:pPr algn="ctr"/>
+            <a:r>
+              <a:rPr lang="sk-SK" dirty="0"/>
+              <a:t>Nemožnosť pristúpiť k lokálnym metódam</a:t>
+            </a:r>
+          </a:p>
+        </p:txBody>
+      </p:sp>
+      <p:sp>
+        <p:nvSpPr>
+          <p:cNvPr id="8" name="Obdĺžnik: zaoblené protiľahlé rohy 7">
+            <a:extLst>
+              <a:ext uri="{FF2B5EF4-FFF2-40B4-BE49-F238E27FC236}">
+                <a16:creationId xmlns:a16="http://schemas.microsoft.com/office/drawing/2014/main" id="{A4BFC951-5D80-4FC4-88DC-FA96F03D34D9}"/>
+              </a:ext>
+            </a:extLst>
+          </p:cNvPr>
+          <p:cNvSpPr/>
+          <p:nvPr/>
+        </p:nvSpPr>
+        <p:spPr>
+          <a:xfrm>
+            <a:off x="6459564" y="5857599"/>
+            <a:ext cx="2352583" cy="861134"/>
+          </a:xfrm>
+          <a:prstGeom prst="round2DiagRect">
+            <a:avLst/>
+          </a:prstGeom>
+        </p:spPr>
+        <p:style>
+          <a:lnRef idx="2">
+            <a:schemeClr val="accent1">
+              <a:shade val="50000"/>
+            </a:schemeClr>
+          </a:lnRef>
+          <a:fillRef idx="1">
+            <a:schemeClr val="accent1"/>
+          </a:fillRef>
+          <a:effectRef idx="0">
+            <a:schemeClr val="accent1"/>
+          </a:effectRef>
+          <a:fontRef idx="minor">
+            <a:schemeClr val="lt1"/>
+          </a:fontRef>
+        </p:style>
+        <p:txBody>
+          <a:bodyPr rtlCol="0" anchor="ctr"/>
+          <a:lstStyle/>
+          <a:p>
+            <a:pPr algn="ctr"/>
+            <a:r>
+              <a:rPr lang="sk-SK" dirty="0"/>
+              <a:t>Je nutné použiť dynamické výnimky</a:t>
+            </a:r>
+          </a:p>
+        </p:txBody>
+      </p:sp>
+      <p:sp>
+        <p:nvSpPr>
+          <p:cNvPr id="7" name="Obdĺžnik 6">
+            <a:extLst>
+              <a:ext uri="{FF2B5EF4-FFF2-40B4-BE49-F238E27FC236}">
+                <a16:creationId xmlns:a16="http://schemas.microsoft.com/office/drawing/2014/main" id="{48734B68-F98E-41FE-91FE-8CCA990F1672}"/>
+              </a:ext>
+            </a:extLst>
+          </p:cNvPr>
+          <p:cNvSpPr/>
+          <p:nvPr/>
+        </p:nvSpPr>
+        <p:spPr>
+          <a:xfrm>
+            <a:off x="4077760" y="5693211"/>
+            <a:ext cx="2512381" cy="861134"/>
+          </a:xfrm>
+          <a:prstGeom prst="rect">
+            <a:avLst/>
+          </a:prstGeom>
+        </p:spPr>
+        <p:style>
+          <a:lnRef idx="3">
+            <a:schemeClr val="lt1"/>
+          </a:lnRef>
+          <a:fillRef idx="1">
+            <a:schemeClr val="accent3"/>
+          </a:fillRef>
+          <a:effectRef idx="1">
+            <a:schemeClr val="accent3"/>
+          </a:effectRef>
+          <a:fontRef idx="minor">
+            <a:schemeClr val="lt1"/>
+          </a:fontRef>
+        </p:style>
+        <p:txBody>
+          <a:bodyPr rtlCol="0" anchor="ctr"/>
+          <a:lstStyle/>
+          <a:p>
+            <a:pPr algn="ctr"/>
+            <a:r>
+              <a:rPr lang="sk-SK" dirty="0"/>
+              <a:t>Nemožnosť tvorby vlastných výnimiek pre nové aspekty</a:t>
+            </a:r>
+          </a:p>
+        </p:txBody>
+      </p:sp>
+      <p:sp>
+        <p:nvSpPr>
+          <p:cNvPr id="5" name="Obdĺžnik: zaoblené protiľahlé rohy 4">
+            <a:extLst>
+              <a:ext uri="{FF2B5EF4-FFF2-40B4-BE49-F238E27FC236}">
+                <a16:creationId xmlns:a16="http://schemas.microsoft.com/office/drawing/2014/main" id="{D8AB282E-4930-4C9E-B713-06E1C485EB60}"/>
+              </a:ext>
+            </a:extLst>
+          </p:cNvPr>
+          <p:cNvSpPr/>
+          <p:nvPr/>
+        </p:nvSpPr>
+        <p:spPr>
+          <a:xfrm>
+            <a:off x="935991" y="3873908"/>
+            <a:ext cx="2583402" cy="861134"/>
+          </a:xfrm>
+          <a:prstGeom prst="round2DiagRect">
+            <a:avLst/>
+          </a:prstGeom>
+        </p:spPr>
+        <p:style>
+          <a:lnRef idx="2">
+            <a:schemeClr val="accent1">
+              <a:shade val="50000"/>
+            </a:schemeClr>
+          </a:lnRef>
+          <a:fillRef idx="1">
+            <a:schemeClr val="accent1"/>
+          </a:fillRef>
+          <a:effectRef idx="0">
+            <a:schemeClr val="accent1"/>
+          </a:effectRef>
+          <a:fontRef idx="minor">
+            <a:schemeClr val="lt1"/>
+          </a:fontRef>
+        </p:style>
+        <p:txBody>
+          <a:bodyPr rtlCol="0" anchor="ctr"/>
+          <a:lstStyle/>
+          <a:p>
+            <a:pPr algn="ctr"/>
+            <a:r>
+              <a:rPr lang="sk-SK" dirty="0"/>
+              <a:t>Použitie závesných metód pre rozšírenie obsahu</a:t>
+            </a:r>
+          </a:p>
+        </p:txBody>
+      </p:sp>
+      <p:sp>
+        <p:nvSpPr>
+          <p:cNvPr id="4" name="Obdĺžnik 3">
+            <a:extLst>
+              <a:ext uri="{FF2B5EF4-FFF2-40B4-BE49-F238E27FC236}">
+                <a16:creationId xmlns:a16="http://schemas.microsoft.com/office/drawing/2014/main" id="{985A8C2B-983E-4832-9E0C-0DDC27347A89}"/>
+              </a:ext>
+            </a:extLst>
+          </p:cNvPr>
+          <p:cNvSpPr/>
+          <p:nvPr/>
+        </p:nvSpPr>
+        <p:spPr>
+          <a:xfrm>
+            <a:off x="284083" y="3017020"/>
+            <a:ext cx="2512381" cy="861134"/>
+          </a:xfrm>
+          <a:prstGeom prst="rect">
+            <a:avLst/>
+          </a:prstGeom>
+        </p:spPr>
+        <p:style>
+          <a:lnRef idx="3">
+            <a:schemeClr val="lt1"/>
+          </a:lnRef>
+          <a:fillRef idx="1">
+            <a:schemeClr val="accent3"/>
+          </a:fillRef>
+          <a:effectRef idx="1">
+            <a:schemeClr val="accent3"/>
+          </a:effectRef>
+          <a:fontRef idx="minor">
+            <a:schemeClr val="lt1"/>
+          </a:fontRef>
+        </p:style>
+        <p:txBody>
+          <a:bodyPr rtlCol="0" anchor="ctr"/>
+          <a:lstStyle/>
+          <a:p>
+            <a:pPr algn="ctr"/>
+            <a:r>
+              <a:rPr lang="sk-SK" dirty="0"/>
+              <a:t>Potreba aplikovať rozšírenie stavu</a:t>
+            </a:r>
+          </a:p>
+        </p:txBody>
+      </p:sp>
+      <p:sp>
+        <p:nvSpPr>
+          <p:cNvPr id="11" name="Obdĺžnik: zaoblené protiľahlé rohy 10">
+            <a:extLst>
+              <a:ext uri="{FF2B5EF4-FFF2-40B4-BE49-F238E27FC236}">
+                <a16:creationId xmlns:a16="http://schemas.microsoft.com/office/drawing/2014/main" id="{20603BFC-992E-4A93-B14B-BCFD2776E9EF}"/>
+              </a:ext>
+            </a:extLst>
+          </p:cNvPr>
+          <p:cNvSpPr/>
+          <p:nvPr/>
+        </p:nvSpPr>
+        <p:spPr>
+          <a:xfrm>
+            <a:off x="9035685" y="4937415"/>
+            <a:ext cx="2653238" cy="1244026"/>
+          </a:xfrm>
+          <a:prstGeom prst="round2DiagRect">
+            <a:avLst/>
+          </a:prstGeom>
+        </p:spPr>
+        <p:style>
+          <a:lnRef idx="2">
+            <a:schemeClr val="accent1">
+              <a:shade val="50000"/>
+            </a:schemeClr>
+          </a:lnRef>
+          <a:fillRef idx="1">
+            <a:schemeClr val="accent1"/>
+          </a:fillRef>
+          <a:effectRef idx="0">
+            <a:schemeClr val="accent1"/>
+          </a:effectRef>
+          <a:fontRef idx="minor">
+            <a:schemeClr val="lt1"/>
+          </a:fontRef>
+        </p:style>
+        <p:txBody>
+          <a:bodyPr rtlCol="0" anchor="ctr"/>
+          <a:lstStyle/>
+          <a:p>
+            <a:pPr algn="ctr"/>
+            <a:r>
+              <a:rPr lang="sk-SK" dirty="0"/>
+              <a:t>Privilegovaný aspekt nemôže pristúpiť k neverejným premenným</a:t>
+            </a:r>
+          </a:p>
+        </p:txBody>
+      </p:sp>
+      <p:sp>
+        <p:nvSpPr>
+          <p:cNvPr id="10" name="Obdĺžnik 9">
+            <a:extLst>
+              <a:ext uri="{FF2B5EF4-FFF2-40B4-BE49-F238E27FC236}">
+                <a16:creationId xmlns:a16="http://schemas.microsoft.com/office/drawing/2014/main" id="{BECF5E08-951D-43D2-9758-A21795711475}"/>
+              </a:ext>
+            </a:extLst>
+          </p:cNvPr>
+          <p:cNvSpPr/>
+          <p:nvPr/>
+        </p:nvSpPr>
+        <p:spPr>
+          <a:xfrm>
+            <a:off x="7989971" y="4126963"/>
+            <a:ext cx="2512381" cy="861134"/>
+          </a:xfrm>
+          <a:prstGeom prst="rect">
+            <a:avLst/>
+          </a:prstGeom>
+        </p:spPr>
+        <p:style>
+          <a:lnRef idx="3">
+            <a:schemeClr val="lt1"/>
+          </a:lnRef>
+          <a:fillRef idx="1">
+            <a:schemeClr val="accent3"/>
+          </a:fillRef>
+          <a:effectRef idx="1">
+            <a:schemeClr val="accent3"/>
+          </a:effectRef>
+          <a:fontRef idx="minor">
+            <a:schemeClr val="lt1"/>
+          </a:fontRef>
+        </p:style>
+        <p:txBody>
+          <a:bodyPr rtlCol="0" anchor="ctr"/>
+          <a:lstStyle/>
+          <a:p>
+            <a:pPr algn="ctr"/>
+            <a:r>
+              <a:rPr lang="sk-SK" dirty="0"/>
+              <a:t>Problém rozsahu platnosti</a:t>
+            </a:r>
+          </a:p>
+        </p:txBody>
+      </p:sp>
+      <p:sp>
+        <p:nvSpPr>
+          <p:cNvPr id="13" name="Obdĺžnik: zaoblené protiľahlé rohy 12">
+            <a:extLst>
+              <a:ext uri="{FF2B5EF4-FFF2-40B4-BE49-F238E27FC236}">
+                <a16:creationId xmlns:a16="http://schemas.microsoft.com/office/drawing/2014/main" id="{39992ED7-2010-4B6E-8D85-16371D0DC62D}"/>
+              </a:ext>
+            </a:extLst>
+          </p:cNvPr>
+          <p:cNvSpPr/>
+          <p:nvPr/>
+        </p:nvSpPr>
+        <p:spPr>
+          <a:xfrm>
+            <a:off x="4191242" y="2934001"/>
+            <a:ext cx="2960627" cy="861134"/>
+          </a:xfrm>
+          <a:prstGeom prst="round2DiagRect">
+            <a:avLst/>
+          </a:prstGeom>
+        </p:spPr>
+        <p:style>
+          <a:lnRef idx="2">
+            <a:schemeClr val="accent1">
+              <a:shade val="50000"/>
+            </a:schemeClr>
+          </a:lnRef>
+          <a:fillRef idx="1">
+            <a:schemeClr val="accent1"/>
+          </a:fillRef>
+          <a:effectRef idx="0">
+            <a:schemeClr val="accent1"/>
+          </a:effectRef>
+          <a:fontRef idx="minor">
+            <a:schemeClr val="lt1"/>
+          </a:fontRef>
+        </p:style>
+        <p:txBody>
+          <a:bodyPr rtlCol="0" anchor="ctr"/>
+          <a:lstStyle/>
+          <a:p>
+            <a:pPr algn="ctr"/>
+            <a:r>
+              <a:rPr lang="sk-SK" dirty="0"/>
+              <a:t>Nadbytočné použitie parametrov v aspekt bodových prierezoch</a:t>
+            </a:r>
+          </a:p>
+        </p:txBody>
+      </p:sp>
+      <p:sp>
+        <p:nvSpPr>
+          <p:cNvPr id="12" name="Obdĺžnik 11">
+            <a:extLst>
+              <a:ext uri="{FF2B5EF4-FFF2-40B4-BE49-F238E27FC236}">
+                <a16:creationId xmlns:a16="http://schemas.microsoft.com/office/drawing/2014/main" id="{5264CEA7-6E76-4D73-8C76-CDBF5E4234C1}"/>
+              </a:ext>
+            </a:extLst>
+          </p:cNvPr>
+          <p:cNvSpPr/>
+          <p:nvPr/>
+        </p:nvSpPr>
+        <p:spPr>
+          <a:xfrm>
+            <a:off x="2654424" y="1930401"/>
+            <a:ext cx="3017132" cy="985339"/>
+          </a:xfrm>
+          <a:prstGeom prst="rect">
+            <a:avLst/>
+          </a:prstGeom>
+        </p:spPr>
+        <p:style>
+          <a:lnRef idx="3">
+            <a:schemeClr val="lt1"/>
+          </a:lnRef>
+          <a:fillRef idx="1">
+            <a:schemeClr val="accent3"/>
+          </a:fillRef>
+          <a:effectRef idx="1">
+            <a:schemeClr val="accent3"/>
+          </a:effectRef>
+          <a:fontRef idx="minor">
+            <a:schemeClr val="lt1"/>
+          </a:fontRef>
+        </p:style>
+        <p:txBody>
+          <a:bodyPr rtlCol="0" anchor="ctr"/>
+          <a:lstStyle/>
+          <a:p>
+            <a:pPr algn="ctr"/>
+            <a:r>
+              <a:rPr lang="sk-SK" dirty="0"/>
+              <a:t>Riešenie využívajúce </a:t>
+            </a:r>
+            <a:r>
+              <a:rPr lang="sk-SK" dirty="0" err="1"/>
+              <a:t>AspectJ</a:t>
+            </a:r>
+            <a:r>
+              <a:rPr lang="sk-SK" dirty="0"/>
+              <a:t> je vo väčšine prípadov komplexnejšie</a:t>
+            </a:r>
+          </a:p>
+        </p:txBody>
+      </p:sp>
+      <p:sp>
+        <p:nvSpPr>
+          <p:cNvPr id="14" name="Obdĺžnik: zaoblené protiľahlé rohy 13">
+            <a:extLst>
+              <a:ext uri="{FF2B5EF4-FFF2-40B4-BE49-F238E27FC236}">
+                <a16:creationId xmlns:a16="http://schemas.microsoft.com/office/drawing/2014/main" id="{17F641B1-0DD5-4B20-897E-31F9F490B0D2}"/>
+              </a:ext>
+            </a:extLst>
+          </p:cNvPr>
+          <p:cNvSpPr/>
+          <p:nvPr/>
+        </p:nvSpPr>
+        <p:spPr>
+          <a:xfrm>
+            <a:off x="5592139" y="2395732"/>
+            <a:ext cx="1527752" cy="469363"/>
+          </a:xfrm>
+          <a:prstGeom prst="round2DiagRect">
+            <a:avLst/>
+          </a:prstGeom>
+          <a:solidFill>
+            <a:srgbClr val="FFC000"/>
+          </a:solidFill>
+        </p:spPr>
+        <p:style>
+          <a:lnRef idx="2">
+            <a:schemeClr val="accent1">
+              <a:shade val="50000"/>
+            </a:schemeClr>
+          </a:lnRef>
+          <a:fillRef idx="1">
+            <a:schemeClr val="accent1"/>
+          </a:fillRef>
+          <a:effectRef idx="0">
+            <a:schemeClr val="accent1"/>
+          </a:effectRef>
+          <a:fontRef idx="minor">
+            <a:schemeClr val="lt1"/>
+          </a:fontRef>
+        </p:style>
+        <p:txBody>
+          <a:bodyPr rtlCol="0" anchor="ctr"/>
+          <a:lstStyle/>
+          <a:p>
+            <a:pPr algn="ctr"/>
+            <a:r>
+              <a:rPr lang="sk-SK" dirty="0"/>
+              <a:t>2x tak dlhé</a:t>
+            </a:r>
+          </a:p>
+        </p:txBody>
+      </p:sp>
+    </p:spTree>
+    <p:extLst>
+      <p:ext uri="{BB962C8B-B14F-4D97-AF65-F5344CB8AC3E}">
+        <p14:creationId xmlns:p14="http://schemas.microsoft.com/office/powerpoint/2010/main" val="4028802337"/>
+      </p:ext>
+    </p:extLst>
+  </p:cSld>
+  <p:clrMapOvr>
+    <a:masterClrMapping/>
+  </p:clrMapOvr>
+</p:sld>
+</file>
+
+<file path=ppt/slides/slide47.xml><?xml version="1.0" encoding="utf-8"?>
+<p:sld xmlns:a="http://schemas.openxmlformats.org/drawingml/2006/main" xmlns:r="http://schemas.openxmlformats.org/officeDocument/2006/relationships" xmlns:p="http://schemas.openxmlformats.org/presentationml/2006/main">
+  <p:cSld>
+    <p:spTree>
+      <p:nvGrpSpPr>
+        <p:cNvPr id="1" name=""/>
+        <p:cNvGrpSpPr/>
+        <p:nvPr/>
+      </p:nvGrpSpPr>
+      <p:grpSpPr>
+        <a:xfrm>
+          <a:off x="0" y="0"/>
+          <a:ext cx="0" cy="0"/>
+          <a:chOff x="0" y="0"/>
+          <a:chExt cx="0" cy="0"/>
+        </a:xfrm>
+      </p:grpSpPr>
+      <p:sp>
+        <p:nvSpPr>
+          <p:cNvPr id="3" name="Obdĺžnik 2">
+            <a:extLst>
+              <a:ext uri="{FF2B5EF4-FFF2-40B4-BE49-F238E27FC236}">
+                <a16:creationId xmlns:a16="http://schemas.microsoft.com/office/drawing/2014/main" id="{AE4412EC-B919-40F7-9121-18AF31137CB5}"/>
+              </a:ext>
+            </a:extLst>
+          </p:cNvPr>
+          <p:cNvSpPr/>
+          <p:nvPr/>
+        </p:nvSpPr>
+        <p:spPr>
+          <a:xfrm>
+            <a:off x="0" y="0"/>
+            <a:ext cx="12192000" cy="6858000"/>
+          </a:xfrm>
+          <a:prstGeom prst="rect">
+            <a:avLst/>
+          </a:prstGeom>
+          <a:ln>
+            <a:noFill/>
+          </a:ln>
+        </p:spPr>
+        <p:style>
+          <a:lnRef idx="2">
+            <a:schemeClr val="accent6"/>
+          </a:lnRef>
+          <a:fillRef idx="1">
+            <a:schemeClr val="lt1"/>
+          </a:fillRef>
+          <a:effectRef idx="0">
+            <a:schemeClr val="accent6"/>
+          </a:effectRef>
+          <a:fontRef idx="minor">
+            <a:schemeClr val="dk1"/>
+          </a:fontRef>
+        </p:style>
+        <p:txBody>
+          <a:bodyPr rtlCol="0" anchor="ctr"/>
+          <a:lstStyle/>
+          <a:p>
+            <a:pPr algn="ctr"/>
+            <a:endParaRPr lang="sk-SK"/>
+          </a:p>
+        </p:txBody>
+      </p:sp>
+      <p:pic>
+        <p:nvPicPr>
+          <p:cNvPr id="4" name="Zástupný objekt pre obsah 4">
+            <a:extLst>
+              <a:ext uri="{FF2B5EF4-FFF2-40B4-BE49-F238E27FC236}">
+                <a16:creationId xmlns:a16="http://schemas.microsoft.com/office/drawing/2014/main" id="{B47BD33E-F0F1-4981-A82B-CE99913E984F}"/>
+              </a:ext>
+            </a:extLst>
+          </p:cNvPr>
+          <p:cNvPicPr>
+            <a:picLocks noChangeAspect="1"/>
+          </p:cNvPicPr>
+          <p:nvPr/>
+        </p:nvPicPr>
+        <p:blipFill>
+          <a:blip r:embed="rId2">
+            <a:extLst>
+              <a:ext uri="{28A0092B-C50C-407E-A947-70E740481C1C}">
+                <a14:useLocalDpi xmlns:a14="http://schemas.microsoft.com/office/drawing/2010/main" val="0"/>
+              </a:ext>
+            </a:extLst>
+          </a:blip>
+          <a:stretch>
+            <a:fillRect/>
+          </a:stretch>
+        </p:blipFill>
+        <p:spPr>
+          <a:xfrm>
+            <a:off x="695106" y="2621642"/>
+            <a:ext cx="11080506" cy="3780408"/>
+          </a:xfrm>
+          <a:prstGeom prst="rect">
+            <a:avLst/>
+          </a:prstGeom>
+        </p:spPr>
+      </p:pic>
+      <p:sp>
+        <p:nvSpPr>
+          <p:cNvPr id="5" name="BlokTextu 4">
+            <a:extLst>
+              <a:ext uri="{FF2B5EF4-FFF2-40B4-BE49-F238E27FC236}">
+                <a16:creationId xmlns:a16="http://schemas.microsoft.com/office/drawing/2014/main" id="{863403F8-C904-4DA6-A9A4-FB8480A8DDE5}"/>
+              </a:ext>
+            </a:extLst>
+          </p:cNvPr>
+          <p:cNvSpPr txBox="1"/>
+          <p:nvPr/>
+        </p:nvSpPr>
+        <p:spPr>
+          <a:xfrm>
+            <a:off x="695106" y="2710754"/>
+            <a:ext cx="540533" cy="584775"/>
+          </a:xfrm>
+          <a:prstGeom prst="rect">
+            <a:avLst/>
+          </a:prstGeom>
+          <a:noFill/>
+        </p:spPr>
+        <p:txBody>
+          <a:bodyPr wrap="none" rtlCol="0">
+            <a:spAutoFit/>
+          </a:bodyPr>
+          <a:lstStyle/>
+          <a:p>
+            <a:r>
+              <a:rPr lang="en-US" sz="3200" b="1" dirty="0"/>
+              <a:t>{}</a:t>
+            </a:r>
+            <a:endParaRPr lang="sk-SK" sz="3200" b="1" dirty="0"/>
+          </a:p>
+        </p:txBody>
+      </p:sp>
+      <p:sp>
+        <p:nvSpPr>
+          <p:cNvPr id="6" name="BlokTextu 5">
+            <a:extLst>
+              <a:ext uri="{FF2B5EF4-FFF2-40B4-BE49-F238E27FC236}">
+                <a16:creationId xmlns:a16="http://schemas.microsoft.com/office/drawing/2014/main" id="{C633AC77-76D0-4A96-9F6B-21E7634AEEDE}"/>
+              </a:ext>
+            </a:extLst>
+          </p:cNvPr>
+          <p:cNvSpPr txBox="1"/>
+          <p:nvPr/>
+        </p:nvSpPr>
+        <p:spPr>
+          <a:xfrm>
+            <a:off x="507670" y="1525908"/>
+            <a:ext cx="3956532" cy="461665"/>
+          </a:xfrm>
+          <a:prstGeom prst="rect">
+            <a:avLst/>
+          </a:prstGeom>
+          <a:noFill/>
+        </p:spPr>
+        <p:txBody>
+          <a:bodyPr wrap="none" rtlCol="0">
+            <a:spAutoFit/>
+          </a:bodyPr>
+          <a:lstStyle/>
+          <a:p>
+            <a:r>
+              <a:rPr lang="en-US" sz="2400" b="1" dirty="0"/>
+              <a:t>{“difficulty”: “beginner”}</a:t>
+            </a:r>
+            <a:endParaRPr lang="sk-SK" sz="2400" b="1" dirty="0"/>
+          </a:p>
+        </p:txBody>
+      </p:sp>
+      <p:sp>
+        <p:nvSpPr>
+          <p:cNvPr id="7" name="BlokTextu 6">
+            <a:extLst>
+              <a:ext uri="{FF2B5EF4-FFF2-40B4-BE49-F238E27FC236}">
+                <a16:creationId xmlns:a16="http://schemas.microsoft.com/office/drawing/2014/main" id="{4270F4B7-49AE-44D1-BBD7-8119AD75A60C}"/>
+              </a:ext>
+            </a:extLst>
+          </p:cNvPr>
+          <p:cNvSpPr txBox="1"/>
+          <p:nvPr/>
+        </p:nvSpPr>
+        <p:spPr>
+          <a:xfrm>
+            <a:off x="2196911" y="2114250"/>
+            <a:ext cx="3841116" cy="461665"/>
+          </a:xfrm>
+          <a:prstGeom prst="rect">
+            <a:avLst/>
+          </a:prstGeom>
+          <a:noFill/>
+        </p:spPr>
+        <p:txBody>
+          <a:bodyPr wrap="none" rtlCol="0">
+            <a:spAutoFit/>
+          </a:bodyPr>
+          <a:lstStyle/>
+          <a:p>
+            <a:r>
+              <a:rPr lang="en-US" sz="2400" b="1" dirty="0"/>
+              <a:t>{“</a:t>
+            </a:r>
+            <a:r>
+              <a:rPr lang="en-US" sz="2400" b="1" dirty="0" err="1"/>
+              <a:t>playerNames</a:t>
+            </a:r>
+            <a:r>
+              <a:rPr lang="en-US" sz="2400" b="1" dirty="0"/>
+              <a:t>”: “true”}</a:t>
+            </a:r>
+            <a:endParaRPr lang="sk-SK" sz="2400" b="1" dirty="0"/>
+          </a:p>
+        </p:txBody>
+      </p:sp>
+      <p:sp>
+        <p:nvSpPr>
+          <p:cNvPr id="8" name="BlokTextu 7">
+            <a:extLst>
+              <a:ext uri="{FF2B5EF4-FFF2-40B4-BE49-F238E27FC236}">
+                <a16:creationId xmlns:a16="http://schemas.microsoft.com/office/drawing/2014/main" id="{2DE30A70-C735-47B6-838B-9BA5B2EE644B}"/>
+              </a:ext>
+            </a:extLst>
+          </p:cNvPr>
+          <p:cNvSpPr txBox="1"/>
+          <p:nvPr/>
+        </p:nvSpPr>
+        <p:spPr>
+          <a:xfrm>
+            <a:off x="7161008" y="1457184"/>
+            <a:ext cx="3260829" cy="461665"/>
+          </a:xfrm>
+          <a:prstGeom prst="rect">
+            <a:avLst/>
+          </a:prstGeom>
+          <a:noFill/>
+        </p:spPr>
+        <p:txBody>
+          <a:bodyPr wrap="none" rtlCol="0">
+            <a:spAutoFit/>
+          </a:bodyPr>
+          <a:lstStyle/>
+          <a:p>
+            <a:r>
+              <a:rPr lang="en-US" sz="2400" b="1" dirty="0"/>
+              <a:t>{“statistics”: “true”}</a:t>
+            </a:r>
+            <a:endParaRPr lang="sk-SK" sz="2400" b="1" dirty="0"/>
+          </a:p>
+        </p:txBody>
+      </p:sp>
+      <p:sp>
+        <p:nvSpPr>
+          <p:cNvPr id="9" name="BlokTextu 8">
+            <a:extLst>
+              <a:ext uri="{FF2B5EF4-FFF2-40B4-BE49-F238E27FC236}">
+                <a16:creationId xmlns:a16="http://schemas.microsoft.com/office/drawing/2014/main" id="{7B80AB0E-E6DA-4DAC-9041-245FB206CE92}"/>
+              </a:ext>
+            </a:extLst>
+          </p:cNvPr>
+          <p:cNvSpPr txBox="1"/>
+          <p:nvPr/>
+        </p:nvSpPr>
+        <p:spPr>
+          <a:xfrm>
+            <a:off x="7646698" y="2055321"/>
+            <a:ext cx="3366627" cy="461665"/>
+          </a:xfrm>
+          <a:prstGeom prst="rect">
+            <a:avLst/>
+          </a:prstGeom>
+          <a:noFill/>
+        </p:spPr>
+        <p:txBody>
+          <a:bodyPr wrap="none" rtlCol="0">
+            <a:spAutoFit/>
+          </a:bodyPr>
+          <a:lstStyle/>
+          <a:p>
+            <a:r>
+              <a:rPr lang="en-US" sz="2400" b="1" dirty="0"/>
+              <a:t>{“challenge”: “true”}</a:t>
+            </a:r>
+            <a:endParaRPr lang="sk-SK" sz="2400" b="1" dirty="0"/>
+          </a:p>
+        </p:txBody>
+      </p:sp>
+      <p:sp>
+        <p:nvSpPr>
+          <p:cNvPr id="10" name="BlokTextu 9">
+            <a:extLst>
+              <a:ext uri="{FF2B5EF4-FFF2-40B4-BE49-F238E27FC236}">
+                <a16:creationId xmlns:a16="http://schemas.microsoft.com/office/drawing/2014/main" id="{6B4B4D38-BA3B-486A-9269-6E8D4D8A3C01}"/>
+              </a:ext>
+            </a:extLst>
+          </p:cNvPr>
+          <p:cNvSpPr txBox="1"/>
+          <p:nvPr/>
+        </p:nvSpPr>
+        <p:spPr>
+          <a:xfrm>
+            <a:off x="6252893" y="828060"/>
+            <a:ext cx="3379451" cy="461665"/>
+          </a:xfrm>
+          <a:prstGeom prst="rect">
+            <a:avLst/>
+          </a:prstGeom>
+          <a:noFill/>
+        </p:spPr>
+        <p:txBody>
+          <a:bodyPr wrap="none" rtlCol="0">
+            <a:spAutoFit/>
+          </a:bodyPr>
+          <a:lstStyle/>
+          <a:p>
+            <a:r>
+              <a:rPr lang="en-US" sz="2400" b="1" dirty="0"/>
+              <a:t>{“computer”: “true”}</a:t>
+            </a:r>
+            <a:endParaRPr lang="sk-SK" sz="2400" b="1" dirty="0"/>
+          </a:p>
+        </p:txBody>
+      </p:sp>
+      <p:sp>
+        <p:nvSpPr>
+          <p:cNvPr id="11" name="BlokTextu 10">
+            <a:extLst>
+              <a:ext uri="{FF2B5EF4-FFF2-40B4-BE49-F238E27FC236}">
+                <a16:creationId xmlns:a16="http://schemas.microsoft.com/office/drawing/2014/main" id="{2D53CEE4-36A9-48F9-B296-92AD13F3C9ED}"/>
+              </a:ext>
+            </a:extLst>
+          </p:cNvPr>
+          <p:cNvSpPr txBox="1"/>
+          <p:nvPr/>
+        </p:nvSpPr>
+        <p:spPr>
+          <a:xfrm>
+            <a:off x="6038027" y="3831538"/>
+            <a:ext cx="3360215" cy="830997"/>
+          </a:xfrm>
+          <a:prstGeom prst="rect">
+            <a:avLst/>
+          </a:prstGeom>
+          <a:noFill/>
+        </p:spPr>
+        <p:txBody>
+          <a:bodyPr wrap="none" rtlCol="0">
+            <a:spAutoFit/>
+          </a:bodyPr>
+          <a:lstStyle/>
+          <a:p>
+            <a:r>
+              <a:rPr lang="en-US" sz="2400" b="1" dirty="0"/>
+              <a:t>{“computer”: “true”,</a:t>
+            </a:r>
+          </a:p>
+          <a:p>
+            <a:r>
+              <a:rPr lang="en-US" sz="2400" b="1" dirty="0"/>
+              <a:t> “strategy”: “true”}</a:t>
+            </a:r>
+            <a:endParaRPr lang="sk-SK" sz="2400" b="1" dirty="0"/>
+          </a:p>
+        </p:txBody>
+      </p:sp>
+      <p:cxnSp>
+        <p:nvCxnSpPr>
+          <p:cNvPr id="12" name="Rovná spojovacia šípka 11">
+            <a:extLst>
+              <a:ext uri="{FF2B5EF4-FFF2-40B4-BE49-F238E27FC236}">
+                <a16:creationId xmlns:a16="http://schemas.microsoft.com/office/drawing/2014/main" id="{9D39ADB0-0CDD-4970-8FC0-50DA57A40C59}"/>
+              </a:ext>
+            </a:extLst>
+          </p:cNvPr>
+          <p:cNvCxnSpPr>
+            <a:cxnSpLocks/>
+          </p:cNvCxnSpPr>
+          <p:nvPr/>
+        </p:nvCxnSpPr>
+        <p:spPr>
+          <a:xfrm>
+            <a:off x="1699491" y="2001538"/>
+            <a:ext cx="786445" cy="1293991"/>
+          </a:xfrm>
+          <a:prstGeom prst="straightConnector1">
+            <a:avLst/>
+          </a:prstGeom>
+          <a:ln w="38100">
+            <a:solidFill>
+              <a:srgbClr val="FF0000"/>
+            </a:solidFill>
+            <a:tailEnd type="triangle"/>
+          </a:ln>
+        </p:spPr>
+        <p:style>
+          <a:lnRef idx="1">
+            <a:schemeClr val="accent1"/>
+          </a:lnRef>
+          <a:fillRef idx="0">
+            <a:schemeClr val="accent1"/>
+          </a:fillRef>
+          <a:effectRef idx="0">
+            <a:schemeClr val="accent1"/>
+          </a:effectRef>
+          <a:fontRef idx="minor">
+            <a:schemeClr val="tx1"/>
+          </a:fontRef>
+        </p:style>
+      </p:cxnSp>
+      <p:cxnSp>
+        <p:nvCxnSpPr>
+          <p:cNvPr id="14" name="Rovná spojovacia šípka 13">
+            <a:extLst>
+              <a:ext uri="{FF2B5EF4-FFF2-40B4-BE49-F238E27FC236}">
+                <a16:creationId xmlns:a16="http://schemas.microsoft.com/office/drawing/2014/main" id="{A1F29752-5C2B-44B2-9EF3-04CB4FEAE903}"/>
+              </a:ext>
+            </a:extLst>
+          </p:cNvPr>
+          <p:cNvCxnSpPr>
+            <a:cxnSpLocks/>
+          </p:cNvCxnSpPr>
+          <p:nvPr/>
+        </p:nvCxnSpPr>
+        <p:spPr>
+          <a:xfrm>
+            <a:off x="3284874" y="2575915"/>
+            <a:ext cx="550803" cy="891421"/>
+          </a:xfrm>
+          <a:prstGeom prst="straightConnector1">
+            <a:avLst/>
+          </a:prstGeom>
+          <a:ln w="38100">
+            <a:solidFill>
+              <a:srgbClr val="FF0000"/>
+            </a:solidFill>
+            <a:tailEnd type="triangle"/>
+          </a:ln>
+        </p:spPr>
+        <p:style>
+          <a:lnRef idx="1">
+            <a:schemeClr val="accent1"/>
+          </a:lnRef>
+          <a:fillRef idx="0">
+            <a:schemeClr val="accent1"/>
+          </a:fillRef>
+          <a:effectRef idx="0">
+            <a:schemeClr val="accent1"/>
+          </a:effectRef>
+          <a:fontRef idx="minor">
+            <a:schemeClr val="tx1"/>
+          </a:fontRef>
+        </p:style>
+      </p:cxnSp>
+      <p:cxnSp>
+        <p:nvCxnSpPr>
+          <p:cNvPr id="16" name="Rovná spojovacia šípka 15">
+            <a:extLst>
+              <a:ext uri="{FF2B5EF4-FFF2-40B4-BE49-F238E27FC236}">
+                <a16:creationId xmlns:a16="http://schemas.microsoft.com/office/drawing/2014/main" id="{3C439386-4186-4CBD-8084-C10EDDB5E3B5}"/>
+              </a:ext>
+            </a:extLst>
+          </p:cNvPr>
+          <p:cNvCxnSpPr>
+            <a:cxnSpLocks/>
+          </p:cNvCxnSpPr>
+          <p:nvPr/>
+        </p:nvCxnSpPr>
+        <p:spPr>
+          <a:xfrm>
+            <a:off x="1163786" y="3064048"/>
+            <a:ext cx="308071" cy="403288"/>
+          </a:xfrm>
+          <a:prstGeom prst="straightConnector1">
+            <a:avLst/>
+          </a:prstGeom>
+          <a:ln w="38100">
+            <a:solidFill>
+              <a:srgbClr val="FF0000"/>
+            </a:solidFill>
+            <a:tailEnd type="triangle"/>
+          </a:ln>
+        </p:spPr>
+        <p:style>
+          <a:lnRef idx="1">
+            <a:schemeClr val="accent1"/>
+          </a:lnRef>
+          <a:fillRef idx="0">
+            <a:schemeClr val="accent1"/>
+          </a:fillRef>
+          <a:effectRef idx="0">
+            <a:schemeClr val="accent1"/>
+          </a:effectRef>
+          <a:fontRef idx="minor">
+            <a:schemeClr val="tx1"/>
+          </a:fontRef>
+        </p:style>
+      </p:cxnSp>
+      <p:cxnSp>
+        <p:nvCxnSpPr>
+          <p:cNvPr id="18" name="Rovná spojovacia šípka 17">
+            <a:extLst>
+              <a:ext uri="{FF2B5EF4-FFF2-40B4-BE49-F238E27FC236}">
+                <a16:creationId xmlns:a16="http://schemas.microsoft.com/office/drawing/2014/main" id="{0F353D10-5F3B-410C-B7F7-E35E13E20285}"/>
+              </a:ext>
+            </a:extLst>
+          </p:cNvPr>
+          <p:cNvCxnSpPr>
+            <a:cxnSpLocks/>
+          </p:cNvCxnSpPr>
+          <p:nvPr/>
+        </p:nvCxnSpPr>
+        <p:spPr>
+          <a:xfrm flipH="1">
+            <a:off x="5348632" y="1289725"/>
+            <a:ext cx="1794243" cy="2124299"/>
+          </a:xfrm>
+          <a:prstGeom prst="straightConnector1">
+            <a:avLst/>
+          </a:prstGeom>
+          <a:ln w="38100">
+            <a:solidFill>
+              <a:srgbClr val="FF0000"/>
+            </a:solidFill>
+            <a:tailEnd type="triangle"/>
+          </a:ln>
+        </p:spPr>
+        <p:style>
+          <a:lnRef idx="1">
+            <a:schemeClr val="accent1"/>
+          </a:lnRef>
+          <a:fillRef idx="0">
+            <a:schemeClr val="accent1"/>
+          </a:fillRef>
+          <a:effectRef idx="0">
+            <a:schemeClr val="accent1"/>
+          </a:effectRef>
+          <a:fontRef idx="minor">
+            <a:schemeClr val="tx1"/>
+          </a:fontRef>
+        </p:style>
+      </p:cxnSp>
+      <p:cxnSp>
+        <p:nvCxnSpPr>
+          <p:cNvPr id="20" name="Rovná spojovacia šípka 19">
+            <a:extLst>
+              <a:ext uri="{FF2B5EF4-FFF2-40B4-BE49-F238E27FC236}">
+                <a16:creationId xmlns:a16="http://schemas.microsoft.com/office/drawing/2014/main" id="{49DBF369-CA5A-4987-8764-3665F0BBE0D6}"/>
+              </a:ext>
+            </a:extLst>
+          </p:cNvPr>
+          <p:cNvCxnSpPr>
+            <a:cxnSpLocks/>
+          </p:cNvCxnSpPr>
+          <p:nvPr/>
+        </p:nvCxnSpPr>
+        <p:spPr>
+          <a:xfrm flipH="1">
+            <a:off x="5444349" y="4167598"/>
+            <a:ext cx="661229" cy="177890"/>
+          </a:xfrm>
+          <a:prstGeom prst="straightConnector1">
+            <a:avLst/>
+          </a:prstGeom>
+          <a:ln w="38100">
+            <a:solidFill>
+              <a:srgbClr val="FF0000"/>
+            </a:solidFill>
+            <a:tailEnd type="triangle"/>
+          </a:ln>
+        </p:spPr>
+        <p:style>
+          <a:lnRef idx="1">
+            <a:schemeClr val="accent1"/>
+          </a:lnRef>
+          <a:fillRef idx="0">
+            <a:schemeClr val="accent1"/>
+          </a:fillRef>
+          <a:effectRef idx="0">
+            <a:schemeClr val="accent1"/>
+          </a:effectRef>
+          <a:fontRef idx="minor">
+            <a:schemeClr val="tx1"/>
+          </a:fontRef>
+        </p:style>
+      </p:cxnSp>
+      <p:cxnSp>
+        <p:nvCxnSpPr>
+          <p:cNvPr id="22" name="Rovná spojovacia šípka 21">
+            <a:extLst>
+              <a:ext uri="{FF2B5EF4-FFF2-40B4-BE49-F238E27FC236}">
+                <a16:creationId xmlns:a16="http://schemas.microsoft.com/office/drawing/2014/main" id="{45C12C29-7CF6-4E23-8E1C-E3306EDED536}"/>
+              </a:ext>
+            </a:extLst>
+          </p:cNvPr>
+          <p:cNvCxnSpPr>
+            <a:cxnSpLocks/>
+          </p:cNvCxnSpPr>
+          <p:nvPr/>
+        </p:nvCxnSpPr>
+        <p:spPr>
+          <a:xfrm flipH="1">
+            <a:off x="7759325" y="2570769"/>
+            <a:ext cx="1444982" cy="897038"/>
+          </a:xfrm>
+          <a:prstGeom prst="straightConnector1">
+            <a:avLst/>
+          </a:prstGeom>
+          <a:ln w="38100">
+            <a:solidFill>
+              <a:srgbClr val="FF0000"/>
+            </a:solidFill>
+            <a:tailEnd type="triangle"/>
+          </a:ln>
+        </p:spPr>
+        <p:style>
+          <a:lnRef idx="1">
+            <a:schemeClr val="accent1"/>
+          </a:lnRef>
+          <a:fillRef idx="0">
+            <a:schemeClr val="accent1"/>
+          </a:fillRef>
+          <a:effectRef idx="0">
+            <a:schemeClr val="accent1"/>
+          </a:effectRef>
+          <a:fontRef idx="minor">
+            <a:schemeClr val="tx1"/>
+          </a:fontRef>
+        </p:style>
+      </p:cxnSp>
+      <p:cxnSp>
+        <p:nvCxnSpPr>
+          <p:cNvPr id="24" name="Rovná spojovacia šípka 23">
+            <a:extLst>
+              <a:ext uri="{FF2B5EF4-FFF2-40B4-BE49-F238E27FC236}">
+                <a16:creationId xmlns:a16="http://schemas.microsoft.com/office/drawing/2014/main" id="{9FDDA3E0-E757-46E2-86E7-067E12B4E970}"/>
+              </a:ext>
+            </a:extLst>
+          </p:cNvPr>
+          <p:cNvCxnSpPr>
+            <a:cxnSpLocks/>
+          </p:cNvCxnSpPr>
+          <p:nvPr/>
+        </p:nvCxnSpPr>
+        <p:spPr>
+          <a:xfrm flipH="1">
+            <a:off x="6535447" y="1950665"/>
+            <a:ext cx="866693" cy="1463359"/>
+          </a:xfrm>
+          <a:prstGeom prst="straightConnector1">
+            <a:avLst/>
+          </a:prstGeom>
+          <a:ln w="38100">
+            <a:solidFill>
+              <a:srgbClr val="FF0000"/>
+            </a:solidFill>
+            <a:tailEnd type="triangle"/>
+          </a:ln>
+        </p:spPr>
+        <p:style>
+          <a:lnRef idx="1">
+            <a:schemeClr val="accent1"/>
+          </a:lnRef>
+          <a:fillRef idx="0">
+            <a:schemeClr val="accent1"/>
+          </a:fillRef>
+          <a:effectRef idx="0">
+            <a:schemeClr val="accent1"/>
+          </a:effectRef>
+          <a:fontRef idx="minor">
+            <a:schemeClr val="tx1"/>
+          </a:fontRef>
+        </p:style>
+      </p:cxnSp>
+    </p:spTree>
+    <p:extLst>
+      <p:ext uri="{BB962C8B-B14F-4D97-AF65-F5344CB8AC3E}">
+        <p14:creationId xmlns:p14="http://schemas.microsoft.com/office/powerpoint/2010/main" val="2097498823"/>
+      </p:ext>
+    </p:extLst>
+  </p:cSld>
+  <p:clrMapOvr>
+    <a:masterClrMapping/>
+  </p:clrMapOvr>
+</p:sld>
+</file>
+
+<file path=ppt/slides/slide48.xml><?xml version="1.0" encoding="utf-8"?>
+<p:sld xmlns:a="http://schemas.openxmlformats.org/drawingml/2006/main" xmlns:r="http://schemas.openxmlformats.org/officeDocument/2006/relationships" xmlns:p="http://schemas.openxmlformats.org/presentationml/2006/main">
+  <p:cSld>
+    <p:spTree>
+      <p:nvGrpSpPr>
+        <p:cNvPr id="1" name=""/>
+        <p:cNvGrpSpPr/>
+        <p:nvPr/>
+      </p:nvGrpSpPr>
+      <p:grpSpPr>
+        <a:xfrm>
+          <a:off x="0" y="0"/>
+          <a:ext cx="0" cy="0"/>
+          <a:chOff x="0" y="0"/>
+          <a:chExt cx="0" cy="0"/>
+        </a:xfrm>
+      </p:grpSpPr>
+      <p:sp>
+        <p:nvSpPr>
+          <p:cNvPr id="25" name="Obdĺžnik 24">
+            <a:extLst>
+              <a:ext uri="{FF2B5EF4-FFF2-40B4-BE49-F238E27FC236}">
+                <a16:creationId xmlns:a16="http://schemas.microsoft.com/office/drawing/2014/main" id="{BD868B08-9AC3-4E15-8A56-485FCB727EE9}"/>
+              </a:ext>
+            </a:extLst>
+          </p:cNvPr>
+          <p:cNvSpPr/>
+          <p:nvPr/>
+        </p:nvSpPr>
+        <p:spPr>
+          <a:xfrm>
+            <a:off x="0" y="0"/>
+            <a:ext cx="12192000" cy="6858000"/>
+          </a:xfrm>
+          <a:prstGeom prst="rect">
+            <a:avLst/>
+          </a:prstGeom>
+          <a:ln>
+            <a:noFill/>
+          </a:ln>
+        </p:spPr>
+        <p:style>
+          <a:lnRef idx="2">
+            <a:schemeClr val="accent6"/>
+          </a:lnRef>
+          <a:fillRef idx="1">
+            <a:schemeClr val="lt1"/>
+          </a:fillRef>
+          <a:effectRef idx="0">
+            <a:schemeClr val="accent6"/>
+          </a:effectRef>
+          <a:fontRef idx="minor">
+            <a:schemeClr val="dk1"/>
+          </a:fontRef>
+        </p:style>
+        <p:txBody>
+          <a:bodyPr rtlCol="0" anchor="ctr"/>
+          <a:lstStyle/>
+          <a:p>
+            <a:pPr algn="ctr"/>
+            <a:endParaRPr lang="sk-SK"/>
+          </a:p>
+        </p:txBody>
+      </p:sp>
+      <p:pic>
+        <p:nvPicPr>
+          <p:cNvPr id="5" name="Obrázok 4">
+            <a:extLst>
+              <a:ext uri="{FF2B5EF4-FFF2-40B4-BE49-F238E27FC236}">
+                <a16:creationId xmlns:a16="http://schemas.microsoft.com/office/drawing/2014/main" id="{64FEB8E8-EE6C-43F8-9F88-1029D59C4DA1}"/>
+              </a:ext>
+            </a:extLst>
+          </p:cNvPr>
+          <p:cNvPicPr>
+            <a:picLocks noChangeAspect="1"/>
+          </p:cNvPicPr>
+          <p:nvPr/>
+        </p:nvPicPr>
+        <p:blipFill>
+          <a:blip r:embed="rId2"/>
+          <a:stretch>
+            <a:fillRect/>
+          </a:stretch>
+        </p:blipFill>
+        <p:spPr>
+          <a:xfrm>
+            <a:off x="6735066" y="1226024"/>
+            <a:ext cx="5038725" cy="5562600"/>
+          </a:xfrm>
+          <a:prstGeom prst="rect">
+            <a:avLst/>
+          </a:prstGeom>
+        </p:spPr>
+      </p:pic>
+      <p:sp>
+        <p:nvSpPr>
+          <p:cNvPr id="6" name="Šípka: doprava 5">
+            <a:extLst>
+              <a:ext uri="{FF2B5EF4-FFF2-40B4-BE49-F238E27FC236}">
+                <a16:creationId xmlns:a16="http://schemas.microsoft.com/office/drawing/2014/main" id="{0C7C924F-6B81-46EE-A276-C34DFF89DB7E}"/>
+              </a:ext>
+            </a:extLst>
+          </p:cNvPr>
+          <p:cNvSpPr/>
+          <p:nvPr/>
+        </p:nvSpPr>
+        <p:spPr>
+          <a:xfrm rot="10800000">
+            <a:off x="5297044" y="1566413"/>
+            <a:ext cx="2339905" cy="603681"/>
+          </a:xfrm>
+          <a:prstGeom prst="rightArrow">
+            <a:avLst/>
+          </a:prstGeom>
+        </p:spPr>
+        <p:style>
+          <a:lnRef idx="2">
+            <a:schemeClr val="accent1">
+              <a:shade val="50000"/>
+            </a:schemeClr>
+          </a:lnRef>
+          <a:fillRef idx="1">
+            <a:schemeClr val="accent1"/>
+          </a:fillRef>
+          <a:effectRef idx="0">
+            <a:schemeClr val="accent1"/>
+          </a:effectRef>
+          <a:fontRef idx="minor">
+            <a:schemeClr val="lt1"/>
+          </a:fontRef>
+        </p:style>
+        <p:txBody>
+          <a:bodyPr rtlCol="0" anchor="ctr"/>
+          <a:lstStyle/>
+          <a:p>
+            <a:pPr algn="ctr"/>
+            <a:endParaRPr lang="sk-SK"/>
+          </a:p>
+        </p:txBody>
+      </p:sp>
+      <p:sp>
+        <p:nvSpPr>
+          <p:cNvPr id="7" name="Šípka: doprava 6">
+            <a:extLst>
+              <a:ext uri="{FF2B5EF4-FFF2-40B4-BE49-F238E27FC236}">
+                <a16:creationId xmlns:a16="http://schemas.microsoft.com/office/drawing/2014/main" id="{AA81F0FB-2385-48DA-9935-D0B6ED03B064}"/>
+              </a:ext>
+            </a:extLst>
+          </p:cNvPr>
+          <p:cNvSpPr/>
+          <p:nvPr/>
+        </p:nvSpPr>
+        <p:spPr>
+          <a:xfrm rot="10621778">
+            <a:off x="5305822" y="2614869"/>
+            <a:ext cx="2384444" cy="603681"/>
+          </a:xfrm>
+          <a:prstGeom prst="rightArrow">
+            <a:avLst/>
+          </a:prstGeom>
+        </p:spPr>
+        <p:style>
+          <a:lnRef idx="2">
+            <a:schemeClr val="accent1">
+              <a:shade val="50000"/>
+            </a:schemeClr>
+          </a:lnRef>
+          <a:fillRef idx="1">
+            <a:schemeClr val="accent1"/>
+          </a:fillRef>
+          <a:effectRef idx="0">
+            <a:schemeClr val="accent1"/>
+          </a:effectRef>
+          <a:fontRef idx="minor">
+            <a:schemeClr val="lt1"/>
+          </a:fontRef>
+        </p:style>
+        <p:txBody>
+          <a:bodyPr rtlCol="0" anchor="ctr"/>
+          <a:lstStyle/>
+          <a:p>
+            <a:pPr algn="ctr"/>
+            <a:endParaRPr lang="sk-SK"/>
+          </a:p>
+        </p:txBody>
+      </p:sp>
+      <p:sp>
+        <p:nvSpPr>
+          <p:cNvPr id="8" name="Šípka: doprava 7">
+            <a:extLst>
+              <a:ext uri="{FF2B5EF4-FFF2-40B4-BE49-F238E27FC236}">
+                <a16:creationId xmlns:a16="http://schemas.microsoft.com/office/drawing/2014/main" id="{18CAE5A3-B53A-4D88-B049-0CF046793791}"/>
+              </a:ext>
+            </a:extLst>
+          </p:cNvPr>
+          <p:cNvSpPr/>
+          <p:nvPr/>
+        </p:nvSpPr>
+        <p:spPr>
+          <a:xfrm rot="10552561">
+            <a:off x="5292967" y="3593503"/>
+            <a:ext cx="2392433" cy="603681"/>
+          </a:xfrm>
+          <a:prstGeom prst="rightArrow">
+            <a:avLst/>
+          </a:prstGeom>
+        </p:spPr>
+        <p:style>
+          <a:lnRef idx="2">
+            <a:schemeClr val="accent1">
+              <a:shade val="50000"/>
+            </a:schemeClr>
+          </a:lnRef>
+          <a:fillRef idx="1">
+            <a:schemeClr val="accent1"/>
+          </a:fillRef>
+          <a:effectRef idx="0">
+            <a:schemeClr val="accent1"/>
+          </a:effectRef>
+          <a:fontRef idx="minor">
+            <a:schemeClr val="lt1"/>
+          </a:fontRef>
+        </p:style>
+        <p:txBody>
+          <a:bodyPr rtlCol="0" anchor="ctr"/>
+          <a:lstStyle/>
+          <a:p>
+            <a:pPr algn="ctr"/>
+            <a:endParaRPr lang="sk-SK"/>
+          </a:p>
+        </p:txBody>
+      </p:sp>
+      <p:sp>
+        <p:nvSpPr>
+          <p:cNvPr id="9" name="Šípka: doprava 8">
+            <a:extLst>
+              <a:ext uri="{FF2B5EF4-FFF2-40B4-BE49-F238E27FC236}">
+                <a16:creationId xmlns:a16="http://schemas.microsoft.com/office/drawing/2014/main" id="{A51D765D-58A8-427B-8E07-C8DD2969248E}"/>
+              </a:ext>
+            </a:extLst>
+          </p:cNvPr>
+          <p:cNvSpPr/>
+          <p:nvPr/>
+        </p:nvSpPr>
+        <p:spPr>
+          <a:xfrm rot="10486356">
+            <a:off x="5267832" y="4536814"/>
+            <a:ext cx="2413698" cy="603681"/>
+          </a:xfrm>
+          <a:prstGeom prst="rightArrow">
+            <a:avLst/>
+          </a:prstGeom>
+        </p:spPr>
+        <p:style>
+          <a:lnRef idx="2">
+            <a:schemeClr val="accent1">
+              <a:shade val="50000"/>
+            </a:schemeClr>
+          </a:lnRef>
+          <a:fillRef idx="1">
+            <a:schemeClr val="accent1"/>
+          </a:fillRef>
+          <a:effectRef idx="0">
+            <a:schemeClr val="accent1"/>
+          </a:effectRef>
+          <a:fontRef idx="minor">
+            <a:schemeClr val="lt1"/>
+          </a:fontRef>
+        </p:style>
+        <p:txBody>
+          <a:bodyPr rtlCol="0" anchor="ctr"/>
+          <a:lstStyle/>
+          <a:p>
+            <a:pPr algn="ctr"/>
+            <a:endParaRPr lang="sk-SK"/>
+          </a:p>
+        </p:txBody>
+      </p:sp>
+      <p:sp>
+        <p:nvSpPr>
+          <p:cNvPr id="10" name="Šípka: doprava 9">
+            <a:extLst>
+              <a:ext uri="{FF2B5EF4-FFF2-40B4-BE49-F238E27FC236}">
+                <a16:creationId xmlns:a16="http://schemas.microsoft.com/office/drawing/2014/main" id="{7725C0CB-FEBA-4971-81FE-BFDCE8EBAADB}"/>
+              </a:ext>
+            </a:extLst>
+          </p:cNvPr>
+          <p:cNvSpPr/>
+          <p:nvPr/>
+        </p:nvSpPr>
+        <p:spPr>
+          <a:xfrm rot="10429143">
+            <a:off x="5235352" y="5581155"/>
+            <a:ext cx="2606976" cy="603681"/>
+          </a:xfrm>
+          <a:prstGeom prst="rightArrow">
+            <a:avLst/>
+          </a:prstGeom>
+        </p:spPr>
+        <p:style>
+          <a:lnRef idx="2">
+            <a:schemeClr val="accent1">
+              <a:shade val="50000"/>
+            </a:schemeClr>
+          </a:lnRef>
+          <a:fillRef idx="1">
+            <a:schemeClr val="accent1"/>
+          </a:fillRef>
+          <a:effectRef idx="0">
+            <a:schemeClr val="accent1"/>
+          </a:effectRef>
+          <a:fontRef idx="minor">
+            <a:schemeClr val="lt1"/>
+          </a:fontRef>
+        </p:style>
+        <p:txBody>
+          <a:bodyPr rtlCol="0" anchor="ctr"/>
+          <a:lstStyle/>
+          <a:p>
+            <a:pPr algn="ctr"/>
+            <a:endParaRPr lang="sk-SK"/>
+          </a:p>
+        </p:txBody>
+      </p:sp>
+      <p:sp>
+        <p:nvSpPr>
+          <p:cNvPr id="11" name="BlokTextu 10">
+            <a:extLst>
+              <a:ext uri="{FF2B5EF4-FFF2-40B4-BE49-F238E27FC236}">
+                <a16:creationId xmlns:a16="http://schemas.microsoft.com/office/drawing/2014/main" id="{515CF4BB-F975-4E49-93B6-ECFD443B9C82}"/>
+              </a:ext>
+            </a:extLst>
+          </p:cNvPr>
+          <p:cNvSpPr txBox="1"/>
+          <p:nvPr/>
+        </p:nvSpPr>
+        <p:spPr>
+          <a:xfrm>
+            <a:off x="4021439" y="1440549"/>
+            <a:ext cx="679994" cy="1107996"/>
+          </a:xfrm>
+          <a:prstGeom prst="rect">
+            <a:avLst/>
+          </a:prstGeom>
+          <a:noFill/>
+        </p:spPr>
+        <p:txBody>
+          <a:bodyPr wrap="none" rtlCol="0">
+            <a:spAutoFit/>
+          </a:bodyPr>
+          <a:lstStyle/>
+          <a:p>
+            <a:r>
+              <a:rPr lang="en-US" sz="6600" b="1" dirty="0">
+                <a:latin typeface="+mj-lt"/>
+                <a:cs typeface="Times New Roman" panose="02020603050405020304" pitchFamily="18" charset="0"/>
+              </a:rPr>
+              <a:t>2</a:t>
+            </a:r>
+            <a:endParaRPr lang="sk-SK" sz="6600" b="1" dirty="0">
+              <a:latin typeface="+mj-lt"/>
+              <a:cs typeface="Times New Roman" panose="02020603050405020304" pitchFamily="18" charset="0"/>
+            </a:endParaRPr>
+          </a:p>
+        </p:txBody>
+      </p:sp>
+      <p:sp>
+        <p:nvSpPr>
+          <p:cNvPr id="12" name="BlokTextu 11">
+            <a:extLst>
+              <a:ext uri="{FF2B5EF4-FFF2-40B4-BE49-F238E27FC236}">
+                <a16:creationId xmlns:a16="http://schemas.microsoft.com/office/drawing/2014/main" id="{3C0A1DF9-7416-48E3-B2B7-29861C42BB65}"/>
+              </a:ext>
+            </a:extLst>
+          </p:cNvPr>
+          <p:cNvSpPr txBox="1"/>
+          <p:nvPr/>
+        </p:nvSpPr>
+        <p:spPr>
+          <a:xfrm>
+            <a:off x="4027072" y="2364505"/>
+            <a:ext cx="679994" cy="1107996"/>
+          </a:xfrm>
+          <a:prstGeom prst="rect">
+            <a:avLst/>
+          </a:prstGeom>
+          <a:noFill/>
+        </p:spPr>
+        <p:txBody>
+          <a:bodyPr wrap="none" rtlCol="0">
+            <a:spAutoFit/>
+          </a:bodyPr>
+          <a:lstStyle/>
+          <a:p>
+            <a:r>
+              <a:rPr lang="en-US" sz="6600" b="1" dirty="0">
+                <a:latin typeface="+mj-lt"/>
+                <a:cs typeface="Times New Roman" panose="02020603050405020304" pitchFamily="18" charset="0"/>
+              </a:rPr>
+              <a:t>2</a:t>
+            </a:r>
+            <a:endParaRPr lang="sk-SK" sz="6600" b="1" dirty="0">
+              <a:latin typeface="+mj-lt"/>
+              <a:cs typeface="Times New Roman" panose="02020603050405020304" pitchFamily="18" charset="0"/>
+            </a:endParaRPr>
+          </a:p>
+        </p:txBody>
+      </p:sp>
+      <p:sp>
+        <p:nvSpPr>
+          <p:cNvPr id="13" name="BlokTextu 12">
+            <a:extLst>
+              <a:ext uri="{FF2B5EF4-FFF2-40B4-BE49-F238E27FC236}">
+                <a16:creationId xmlns:a16="http://schemas.microsoft.com/office/drawing/2014/main" id="{054B989C-1AD3-4DB5-A510-303D63CA15A2}"/>
+              </a:ext>
+            </a:extLst>
+          </p:cNvPr>
+          <p:cNvSpPr txBox="1"/>
+          <p:nvPr/>
+        </p:nvSpPr>
+        <p:spPr>
+          <a:xfrm>
+            <a:off x="4032705" y="3348803"/>
+            <a:ext cx="679994" cy="1107996"/>
+          </a:xfrm>
+          <a:prstGeom prst="rect">
+            <a:avLst/>
+          </a:prstGeom>
+          <a:noFill/>
+        </p:spPr>
+        <p:txBody>
+          <a:bodyPr wrap="none" rtlCol="0">
+            <a:spAutoFit/>
+          </a:bodyPr>
+          <a:lstStyle/>
+          <a:p>
+            <a:r>
+              <a:rPr lang="en-US" sz="6600" b="1" dirty="0">
+                <a:latin typeface="+mj-lt"/>
+                <a:cs typeface="Times New Roman" panose="02020603050405020304" pitchFamily="18" charset="0"/>
+              </a:rPr>
+              <a:t>2</a:t>
+            </a:r>
+            <a:endParaRPr lang="sk-SK" sz="6600" b="1" dirty="0">
+              <a:latin typeface="+mj-lt"/>
+              <a:cs typeface="Times New Roman" panose="02020603050405020304" pitchFamily="18" charset="0"/>
+            </a:endParaRPr>
+          </a:p>
+        </p:txBody>
+      </p:sp>
+      <p:sp>
+        <p:nvSpPr>
+          <p:cNvPr id="14" name="BlokTextu 13">
+            <a:extLst>
+              <a:ext uri="{FF2B5EF4-FFF2-40B4-BE49-F238E27FC236}">
+                <a16:creationId xmlns:a16="http://schemas.microsoft.com/office/drawing/2014/main" id="{98447EF9-03C6-4E6D-9352-45F518AB5AE3}"/>
+              </a:ext>
+            </a:extLst>
+          </p:cNvPr>
+          <p:cNvSpPr txBox="1"/>
+          <p:nvPr/>
+        </p:nvSpPr>
+        <p:spPr>
+          <a:xfrm>
+            <a:off x="4073097" y="4385877"/>
+            <a:ext cx="679994" cy="1107996"/>
+          </a:xfrm>
+          <a:prstGeom prst="rect">
+            <a:avLst/>
+          </a:prstGeom>
+          <a:noFill/>
+        </p:spPr>
+        <p:txBody>
+          <a:bodyPr wrap="none" rtlCol="0">
+            <a:spAutoFit/>
+          </a:bodyPr>
+          <a:lstStyle/>
+          <a:p>
+            <a:r>
+              <a:rPr lang="en-US" sz="6600" b="1" dirty="0">
+                <a:latin typeface="+mj-lt"/>
+                <a:cs typeface="Times New Roman" panose="02020603050405020304" pitchFamily="18" charset="0"/>
+              </a:rPr>
+              <a:t>2</a:t>
+            </a:r>
+            <a:endParaRPr lang="sk-SK" sz="6600" b="1" dirty="0">
+              <a:latin typeface="+mj-lt"/>
+              <a:cs typeface="Times New Roman" panose="02020603050405020304" pitchFamily="18" charset="0"/>
+            </a:endParaRPr>
+          </a:p>
+        </p:txBody>
+      </p:sp>
+      <p:sp>
+        <p:nvSpPr>
+          <p:cNvPr id="15" name="BlokTextu 14">
+            <a:extLst>
+              <a:ext uri="{FF2B5EF4-FFF2-40B4-BE49-F238E27FC236}">
+                <a16:creationId xmlns:a16="http://schemas.microsoft.com/office/drawing/2014/main" id="{43DA436C-9507-4A07-B7E4-CE18D5C444E0}"/>
+              </a:ext>
+            </a:extLst>
+          </p:cNvPr>
+          <p:cNvSpPr txBox="1"/>
+          <p:nvPr/>
+        </p:nvSpPr>
+        <p:spPr>
+          <a:xfrm>
+            <a:off x="4115669" y="5321204"/>
+            <a:ext cx="679994" cy="1107996"/>
+          </a:xfrm>
+          <a:prstGeom prst="rect">
+            <a:avLst/>
+          </a:prstGeom>
+          <a:noFill/>
+        </p:spPr>
+        <p:txBody>
+          <a:bodyPr wrap="none" rtlCol="0">
+            <a:spAutoFit/>
+          </a:bodyPr>
+          <a:lstStyle/>
+          <a:p>
+            <a:r>
+              <a:rPr lang="en-US" sz="6600" b="1" dirty="0">
+                <a:latin typeface="+mj-lt"/>
+                <a:cs typeface="Times New Roman" panose="02020603050405020304" pitchFamily="18" charset="0"/>
+              </a:rPr>
+              <a:t>3</a:t>
+            </a:r>
+            <a:endParaRPr lang="sk-SK" sz="6600" b="1" dirty="0">
+              <a:latin typeface="+mj-lt"/>
+              <a:cs typeface="Times New Roman" panose="02020603050405020304" pitchFamily="18" charset="0"/>
+            </a:endParaRPr>
+          </a:p>
+        </p:txBody>
+      </p:sp>
+      <p:sp>
+        <p:nvSpPr>
+          <p:cNvPr id="16" name="Znak násobenia 15">
+            <a:extLst>
+              <a:ext uri="{FF2B5EF4-FFF2-40B4-BE49-F238E27FC236}">
+                <a16:creationId xmlns:a16="http://schemas.microsoft.com/office/drawing/2014/main" id="{D7DA5682-F3C0-4C67-8061-0A042AFCCFFE}"/>
+              </a:ext>
+            </a:extLst>
+          </p:cNvPr>
+          <p:cNvSpPr/>
+          <p:nvPr/>
+        </p:nvSpPr>
+        <p:spPr>
+          <a:xfrm>
+            <a:off x="4649776" y="2078484"/>
+            <a:ext cx="679994" cy="669984"/>
+          </a:xfrm>
+          <a:prstGeom prst="mathMultiply">
+            <a:avLst/>
+          </a:prstGeom>
+        </p:spPr>
+        <p:style>
+          <a:lnRef idx="2">
+            <a:schemeClr val="accent3">
+              <a:shade val="50000"/>
+            </a:schemeClr>
+          </a:lnRef>
+          <a:fillRef idx="1">
+            <a:schemeClr val="accent3"/>
+          </a:fillRef>
+          <a:effectRef idx="0">
+            <a:schemeClr val="accent3"/>
+          </a:effectRef>
+          <a:fontRef idx="minor">
+            <a:schemeClr val="lt1"/>
+          </a:fontRef>
+        </p:style>
+        <p:txBody>
+          <a:bodyPr rtlCol="0" anchor="ctr"/>
+          <a:lstStyle/>
+          <a:p>
+            <a:pPr algn="ctr"/>
+            <a:endParaRPr lang="sk-SK"/>
+          </a:p>
+        </p:txBody>
+      </p:sp>
+      <p:sp>
+        <p:nvSpPr>
+          <p:cNvPr id="17" name="Znak násobenia 16">
+            <a:extLst>
+              <a:ext uri="{FF2B5EF4-FFF2-40B4-BE49-F238E27FC236}">
+                <a16:creationId xmlns:a16="http://schemas.microsoft.com/office/drawing/2014/main" id="{B8EBE8C8-3B66-4FE1-A282-8D42C954B158}"/>
+              </a:ext>
+            </a:extLst>
+          </p:cNvPr>
+          <p:cNvSpPr/>
+          <p:nvPr/>
+        </p:nvSpPr>
+        <p:spPr>
+          <a:xfrm>
+            <a:off x="4707213" y="3137509"/>
+            <a:ext cx="679994" cy="669984"/>
+          </a:xfrm>
+          <a:prstGeom prst="mathMultiply">
+            <a:avLst/>
+          </a:prstGeom>
+        </p:spPr>
+        <p:style>
+          <a:lnRef idx="2">
+            <a:schemeClr val="accent3">
+              <a:shade val="50000"/>
+            </a:schemeClr>
+          </a:lnRef>
+          <a:fillRef idx="1">
+            <a:schemeClr val="accent3"/>
+          </a:fillRef>
+          <a:effectRef idx="0">
+            <a:schemeClr val="accent3"/>
+          </a:effectRef>
+          <a:fontRef idx="minor">
+            <a:schemeClr val="lt1"/>
+          </a:fontRef>
+        </p:style>
+        <p:txBody>
+          <a:bodyPr rtlCol="0" anchor="ctr"/>
+          <a:lstStyle/>
+          <a:p>
+            <a:pPr algn="ctr"/>
+            <a:endParaRPr lang="sk-SK"/>
+          </a:p>
+        </p:txBody>
+      </p:sp>
+      <p:sp>
+        <p:nvSpPr>
+          <p:cNvPr id="18" name="Znak násobenia 17">
+            <a:extLst>
+              <a:ext uri="{FF2B5EF4-FFF2-40B4-BE49-F238E27FC236}">
+                <a16:creationId xmlns:a16="http://schemas.microsoft.com/office/drawing/2014/main" id="{BE40C657-5A8C-4F10-B9E8-C17955945A92}"/>
+              </a:ext>
+            </a:extLst>
+          </p:cNvPr>
+          <p:cNvSpPr/>
+          <p:nvPr/>
+        </p:nvSpPr>
+        <p:spPr>
+          <a:xfrm>
+            <a:off x="4717582" y="4121807"/>
+            <a:ext cx="679994" cy="669984"/>
+          </a:xfrm>
+          <a:prstGeom prst="mathMultiply">
+            <a:avLst/>
+          </a:prstGeom>
+        </p:spPr>
+        <p:style>
+          <a:lnRef idx="2">
+            <a:schemeClr val="accent3">
+              <a:shade val="50000"/>
+            </a:schemeClr>
+          </a:lnRef>
+          <a:fillRef idx="1">
+            <a:schemeClr val="accent3"/>
+          </a:fillRef>
+          <a:effectRef idx="0">
+            <a:schemeClr val="accent3"/>
+          </a:effectRef>
+          <a:fontRef idx="minor">
+            <a:schemeClr val="lt1"/>
+          </a:fontRef>
+        </p:style>
+        <p:txBody>
+          <a:bodyPr rtlCol="0" anchor="ctr"/>
+          <a:lstStyle/>
+          <a:p>
+            <a:pPr algn="ctr"/>
+            <a:endParaRPr lang="sk-SK"/>
+          </a:p>
+        </p:txBody>
+      </p:sp>
+      <p:sp>
+        <p:nvSpPr>
+          <p:cNvPr id="19" name="Znak násobenia 18">
+            <a:extLst>
+              <a:ext uri="{FF2B5EF4-FFF2-40B4-BE49-F238E27FC236}">
+                <a16:creationId xmlns:a16="http://schemas.microsoft.com/office/drawing/2014/main" id="{FBFA58C6-AA18-4B63-B28D-E248AC60C6AD}"/>
+              </a:ext>
+            </a:extLst>
+          </p:cNvPr>
+          <p:cNvSpPr/>
+          <p:nvPr/>
+        </p:nvSpPr>
+        <p:spPr>
+          <a:xfrm>
+            <a:off x="4697648" y="5151678"/>
+            <a:ext cx="679994" cy="669984"/>
+          </a:xfrm>
+          <a:prstGeom prst="mathMultiply">
+            <a:avLst/>
+          </a:prstGeom>
+        </p:spPr>
+        <p:style>
+          <a:lnRef idx="2">
+            <a:schemeClr val="accent3">
+              <a:shade val="50000"/>
+            </a:schemeClr>
+          </a:lnRef>
+          <a:fillRef idx="1">
+            <a:schemeClr val="accent3"/>
+          </a:fillRef>
+          <a:effectRef idx="0">
+            <a:schemeClr val="accent3"/>
+          </a:effectRef>
+          <a:fontRef idx="minor">
+            <a:schemeClr val="lt1"/>
+          </a:fontRef>
+        </p:style>
+        <p:txBody>
+          <a:bodyPr rtlCol="0" anchor="ctr"/>
+          <a:lstStyle/>
+          <a:p>
+            <a:pPr algn="ctr"/>
+            <a:endParaRPr lang="sk-SK"/>
+          </a:p>
+        </p:txBody>
+      </p:sp>
+      <p:sp>
+        <p:nvSpPr>
+          <p:cNvPr id="20" name="Ľavá zložená zátvorka 19">
+            <a:extLst>
+              <a:ext uri="{FF2B5EF4-FFF2-40B4-BE49-F238E27FC236}">
+                <a16:creationId xmlns:a16="http://schemas.microsoft.com/office/drawing/2014/main" id="{8B9834A1-77F2-43C2-B3D6-2C24830564DD}"/>
+              </a:ext>
+            </a:extLst>
+          </p:cNvPr>
+          <p:cNvSpPr/>
+          <p:nvPr/>
+        </p:nvSpPr>
+        <p:spPr>
+          <a:xfrm>
+            <a:off x="3269191" y="1868255"/>
+            <a:ext cx="679994" cy="4278139"/>
+          </a:xfrm>
+          <a:prstGeom prst="leftBrace">
+            <a:avLst/>
+          </a:prstGeom>
+          <a:ln w="57150"/>
+        </p:spPr>
+        <p:style>
+          <a:lnRef idx="1">
+            <a:schemeClr val="accent1"/>
+          </a:lnRef>
+          <a:fillRef idx="0">
+            <a:schemeClr val="accent1"/>
+          </a:fillRef>
+          <a:effectRef idx="0">
+            <a:schemeClr val="accent1"/>
+          </a:effectRef>
+          <a:fontRef idx="minor">
+            <a:schemeClr val="tx1"/>
+          </a:fontRef>
+        </p:style>
+        <p:txBody>
+          <a:bodyPr rtlCol="0" anchor="ctr"/>
+          <a:lstStyle/>
+          <a:p>
+            <a:pPr algn="ctr"/>
+            <a:endParaRPr lang="sk-SK"/>
+          </a:p>
+        </p:txBody>
+      </p:sp>
+      <p:pic>
+        <p:nvPicPr>
+          <p:cNvPr id="23" name="Obrázok 22">
+            <a:extLst>
+              <a:ext uri="{FF2B5EF4-FFF2-40B4-BE49-F238E27FC236}">
+                <a16:creationId xmlns:a16="http://schemas.microsoft.com/office/drawing/2014/main" id="{1FEC2726-EC76-4679-89C2-98424478723F}"/>
+              </a:ext>
+            </a:extLst>
+          </p:cNvPr>
+          <p:cNvPicPr>
+            <a:picLocks noChangeAspect="1"/>
+          </p:cNvPicPr>
+          <p:nvPr/>
+        </p:nvPicPr>
+        <p:blipFill>
+          <a:blip r:embed="rId3"/>
+          <a:stretch>
+            <a:fillRect/>
+          </a:stretch>
+        </p:blipFill>
+        <p:spPr>
+          <a:xfrm>
+            <a:off x="504310" y="1611969"/>
+            <a:ext cx="1666875" cy="5019675"/>
+          </a:xfrm>
+          <a:prstGeom prst="rect">
+            <a:avLst/>
+          </a:prstGeom>
+        </p:spPr>
+      </p:pic>
+      <p:sp>
+        <p:nvSpPr>
+          <p:cNvPr id="21" name="BlokTextu 20">
+            <a:extLst>
+              <a:ext uri="{FF2B5EF4-FFF2-40B4-BE49-F238E27FC236}">
+                <a16:creationId xmlns:a16="http://schemas.microsoft.com/office/drawing/2014/main" id="{6B0DEE1F-C446-4BD0-B7E6-E0D1D57B1FC6}"/>
+              </a:ext>
+            </a:extLst>
+          </p:cNvPr>
+          <p:cNvSpPr txBox="1"/>
+          <p:nvPr/>
+        </p:nvSpPr>
+        <p:spPr>
+          <a:xfrm>
+            <a:off x="1985092" y="3453326"/>
+            <a:ext cx="1175322" cy="1107996"/>
+          </a:xfrm>
+          <a:prstGeom prst="rect">
+            <a:avLst/>
+          </a:prstGeom>
+          <a:noFill/>
+        </p:spPr>
+        <p:txBody>
+          <a:bodyPr wrap="none" rtlCol="0">
+            <a:spAutoFit/>
+          </a:bodyPr>
+          <a:lstStyle/>
+          <a:p>
+            <a:r>
+              <a:rPr lang="en-US" sz="6600" b="1" dirty="0">
+                <a:latin typeface="+mj-lt"/>
+                <a:cs typeface="Times New Roman" panose="02020603050405020304" pitchFamily="18" charset="0"/>
+              </a:rPr>
+              <a:t>48</a:t>
+            </a:r>
+            <a:endParaRPr lang="sk-SK" sz="6600" b="1" dirty="0">
+              <a:latin typeface="+mj-lt"/>
+              <a:cs typeface="Times New Roman" panose="02020603050405020304" pitchFamily="18" charset="0"/>
+            </a:endParaRPr>
+          </a:p>
+        </p:txBody>
+      </p:sp>
+      <p:sp>
+        <p:nvSpPr>
+          <p:cNvPr id="24" name="BlokTextu 23">
+            <a:extLst>
+              <a:ext uri="{FF2B5EF4-FFF2-40B4-BE49-F238E27FC236}">
+                <a16:creationId xmlns:a16="http://schemas.microsoft.com/office/drawing/2014/main" id="{5F290319-2511-4513-A723-558A9B920A9D}"/>
+              </a:ext>
+            </a:extLst>
+          </p:cNvPr>
+          <p:cNvSpPr txBox="1"/>
+          <p:nvPr/>
+        </p:nvSpPr>
+        <p:spPr>
+          <a:xfrm>
+            <a:off x="6260561" y="703721"/>
+            <a:ext cx="3759362" cy="461665"/>
+          </a:xfrm>
+          <a:prstGeom prst="rect">
+            <a:avLst/>
+          </a:prstGeom>
+          <a:noFill/>
+        </p:spPr>
+        <p:txBody>
+          <a:bodyPr wrap="none" rtlCol="0">
+            <a:spAutoFit/>
+          </a:bodyPr>
+          <a:lstStyle/>
+          <a:p>
+            <a:r>
+              <a:rPr lang="en-US" sz="2400" b="1" dirty="0" err="1"/>
+              <a:t>variableRestrictions.json</a:t>
+            </a:r>
+            <a:endParaRPr lang="sk-SK" sz="2400" b="1" dirty="0"/>
+          </a:p>
+        </p:txBody>
+      </p:sp>
+    </p:spTree>
+    <p:extLst>
+      <p:ext uri="{BB962C8B-B14F-4D97-AF65-F5344CB8AC3E}">
+        <p14:creationId xmlns:p14="http://schemas.microsoft.com/office/powerpoint/2010/main" val="1785475583"/>
       </p:ext>
     </p:extLst>
   </p:cSld>
